--- a/Documents/demo1.pptx
+++ b/Documents/demo1.pptx
@@ -112,6 +112,11 @@
       </a:defRPr>
     </a:lvl9pPr>
   </p:defaultTextStyle>
+  <p:extLst>
+    <p:ext uri="{EFAFB233-063F-42B5-8137-9DF3F51BA10A}">
+      <p15:sldGuideLst xmlns:p15="http://schemas.microsoft.com/office/powerpoint/2012/main"/>
+    </p:ext>
+  </p:extLst>
 </p:presentation>
 </file>
 
@@ -3456,10 +3461,10 @@
       </p:sp>
       <p:pic>
         <p:nvPicPr>
-          <p:cNvPr id="4" name="Grafik 3">
-            <a:extLst>
-              <a:ext uri="{FF2B5EF4-FFF2-40B4-BE49-F238E27FC236}">
-                <a16:creationId xmlns:a16="http://schemas.microsoft.com/office/drawing/2014/main" id="{2E4B340D-4B4B-429F-AA86-77A726E5AC8C}"/>
+          <p:cNvPr id="3" name="Grafik 2">
+            <a:extLst>
+              <a:ext uri="{FF2B5EF4-FFF2-40B4-BE49-F238E27FC236}">
+                <a16:creationId xmlns:a16="http://schemas.microsoft.com/office/drawing/2014/main" id="{A47B296C-D5F1-4416-B157-848532940A37}"/>
               </a:ext>
             </a:extLst>
           </p:cNvPr>
@@ -3476,8 +3481,8 @@
         </p:blipFill>
         <p:spPr>
           <a:xfrm>
-            <a:off x="1773069" y="1809344"/>
-            <a:ext cx="4481816" cy="4715097"/>
+            <a:off x="5768304" y="1948208"/>
+            <a:ext cx="4751207" cy="4576233"/>
           </a:xfrm>
           <a:prstGeom prst="rect">
             <a:avLst/>
@@ -4164,8 +4169,8 @@
         </p:nvSpPr>
         <p:spPr>
           <a:xfrm>
-            <a:off x="838200" y="2542717"/>
-            <a:ext cx="10515600" cy="1325563"/>
+            <a:off x="954932" y="583661"/>
+            <a:ext cx="10515600" cy="1981114"/>
           </a:xfrm>
         </p:spPr>
         <p:txBody>
@@ -4210,6 +4215,66 @@
           </a:p>
         </p:txBody>
       </p:sp>
+      <p:pic>
+        <p:nvPicPr>
+          <p:cNvPr id="5" name="Grafik 4">
+            <a:extLst>
+              <a:ext uri="{FF2B5EF4-FFF2-40B4-BE49-F238E27FC236}">
+                <a16:creationId xmlns:a16="http://schemas.microsoft.com/office/drawing/2014/main" id="{21746450-F3D9-4335-841E-78B73EBDEE96}"/>
+              </a:ext>
+            </a:extLst>
+          </p:cNvPr>
+          <p:cNvPicPr>
+            <a:picLocks noChangeAspect="1"/>
+          </p:cNvPicPr>
+          <p:nvPr/>
+        </p:nvPicPr>
+        <p:blipFill>
+          <a:blip r:embed="rId2"/>
+          <a:stretch>
+            <a:fillRect/>
+          </a:stretch>
+        </p:blipFill>
+        <p:spPr>
+          <a:xfrm>
+            <a:off x="6601837" y="2802040"/>
+            <a:ext cx="3811558" cy="3722399"/>
+          </a:xfrm>
+          <a:prstGeom prst="rect">
+            <a:avLst/>
+          </a:prstGeom>
+        </p:spPr>
+      </p:pic>
+      <p:pic>
+        <p:nvPicPr>
+          <p:cNvPr id="7" name="Grafik 6">
+            <a:extLst>
+              <a:ext uri="{FF2B5EF4-FFF2-40B4-BE49-F238E27FC236}">
+                <a16:creationId xmlns:a16="http://schemas.microsoft.com/office/drawing/2014/main" id="{297F600C-EA6B-4FB9-B5F4-576A72F650A5}"/>
+              </a:ext>
+            </a:extLst>
+          </p:cNvPr>
+          <p:cNvPicPr>
+            <a:picLocks noChangeAspect="1"/>
+          </p:cNvPicPr>
+          <p:nvPr/>
+        </p:nvPicPr>
+        <p:blipFill>
+          <a:blip r:embed="rId3"/>
+          <a:stretch>
+            <a:fillRect/>
+          </a:stretch>
+        </p:blipFill>
+        <p:spPr>
+          <a:xfrm>
+            <a:off x="1778605" y="2802040"/>
+            <a:ext cx="3864726" cy="3722399"/>
+          </a:xfrm>
+          <a:prstGeom prst="rect">
+            <a:avLst/>
+          </a:prstGeom>
+        </p:spPr>
+      </p:pic>
     </p:spTree>
     <p:extLst>
       <p:ext uri="{BB962C8B-B14F-4D97-AF65-F5344CB8AC3E}">
